--- a/Primera sesión.pptx
+++ b/Primera sesión.pptx
@@ -229,7 +229,7 @@
           <a:p>
             <a:fld id="{B7A3E8FE-8C33-442D-A9F0-81005605253D}" type="datetimeFigureOut">
               <a:rPr lang="es-CO" smtClean="0"/>
-              <a:t>11/08/2018</a:t>
+              <a:t>13/08/2018</a:t>
             </a:fld>
             <a:endParaRPr lang="es-CO"/>
           </a:p>
@@ -394,7 +394,7 @@
           <a:p>
             <a:fld id="{A7CC625C-94FE-405F-BFA9-F5950CD1D511}" type="datetimeFigureOut">
               <a:rPr lang="es-CO" smtClean="0"/>
-              <a:t>11/08/2018</a:t>
+              <a:t>13/08/2018</a:t>
             </a:fld>
             <a:endParaRPr lang="es-CO"/>
           </a:p>
@@ -880,7 +880,7 @@
           <a:p>
             <a:fld id="{B4F9404A-22A3-4939-BCA7-96C3E13EB8DD}" type="datetime1">
               <a:rPr lang="es-ES" smtClean="0"/>
-              <a:t>11/08/2018</a:t>
+              <a:t>13/08/2018</a:t>
             </a:fld>
             <a:endParaRPr lang="es-ES"/>
           </a:p>
@@ -1079,7 +1079,7 @@
           <a:p>
             <a:fld id="{69378D34-666D-49A3-B8FE-0109775CE4CE}" type="datetime1">
               <a:rPr lang="es-ES" smtClean="0"/>
-              <a:t>11/08/2018</a:t>
+              <a:t>13/08/2018</a:t>
             </a:fld>
             <a:endParaRPr lang="es-ES"/>
           </a:p>
@@ -1291,7 +1291,7 @@
           <a:p>
             <a:fld id="{42F1C212-CED4-45A2-A419-242876DEA6A8}" type="datetime1">
               <a:rPr lang="es-ES" smtClean="0"/>
-              <a:t>11/08/2018</a:t>
+              <a:t>13/08/2018</a:t>
             </a:fld>
             <a:endParaRPr lang="es-ES"/>
           </a:p>
@@ -1476,7 +1476,7 @@
           <a:p>
             <a:fld id="{8DBAA5F7-05F0-441E-B6CB-839B2C780BDB}" type="datetime1">
               <a:rPr lang="es-ES" smtClean="0"/>
-              <a:t>11/08/2018</a:t>
+              <a:t>13/08/2018</a:t>
             </a:fld>
             <a:endParaRPr lang="es-ES"/>
           </a:p>
@@ -1675,7 +1675,7 @@
           <a:p>
             <a:fld id="{4E88F175-A477-49CC-BD97-B2F06ADDE44B}" type="datetime1">
               <a:rPr lang="es-ES" smtClean="0"/>
-              <a:t>11/08/2018</a:t>
+              <a:t>13/08/2018</a:t>
             </a:fld>
             <a:endParaRPr lang="es-ES"/>
           </a:p>
@@ -1972,7 +1972,7 @@
           <a:p>
             <a:fld id="{2D7E83E4-7A82-4066-A97D-E05EFAC1B96D}" type="datetime1">
               <a:rPr lang="es-ES" smtClean="0"/>
-              <a:t>11/08/2018</a:t>
+              <a:t>13/08/2018</a:t>
             </a:fld>
             <a:endParaRPr lang="es-ES"/>
           </a:p>
@@ -2399,7 +2399,7 @@
           <a:p>
             <a:fld id="{398276F2-D9E5-423D-BCE5-ABA7F06DDBE4}" type="datetime1">
               <a:rPr lang="es-ES" smtClean="0"/>
-              <a:t>11/08/2018</a:t>
+              <a:t>13/08/2018</a:t>
             </a:fld>
             <a:endParaRPr lang="es-ES"/>
           </a:p>
@@ -2525,7 +2525,7 @@
           <a:p>
             <a:fld id="{34732EB0-98FD-4499-BBB5-5FBC40106AC6}" type="datetime1">
               <a:rPr lang="es-ES" smtClean="0"/>
-              <a:t>11/08/2018</a:t>
+              <a:t>13/08/2018</a:t>
             </a:fld>
             <a:endParaRPr lang="es-ES"/>
           </a:p>
@@ -2623,7 +2623,7 @@
           <a:p>
             <a:fld id="{00B7D2C1-C5BB-4849-8620-C00374D4A203}" type="datetime1">
               <a:rPr lang="es-ES" smtClean="0"/>
-              <a:t>11/08/2018</a:t>
+              <a:t>13/08/2018</a:t>
             </a:fld>
             <a:endParaRPr lang="es-ES"/>
           </a:p>
@@ -2907,7 +2907,7 @@
           <a:p>
             <a:fld id="{A5A1D9DE-194B-4503-AF06-F91B2D2CF1FC}" type="datetime1">
               <a:rPr lang="es-ES" smtClean="0"/>
-              <a:t>11/08/2018</a:t>
+              <a:t>13/08/2018</a:t>
             </a:fld>
             <a:endParaRPr lang="es-ES"/>
           </a:p>
@@ -3038,7 +3038,7 @@
           <a:p>
             <a:fld id="{55180AFC-7BC3-466C-AF67-C539CD5240F6}" type="datetime1">
               <a:rPr lang="es-ES" smtClean="0"/>
-              <a:t>11/08/2018</a:t>
+              <a:t>13/08/2018</a:t>
             </a:fld>
             <a:endParaRPr lang="es-ES"/>
           </a:p>
@@ -3277,7 +3277,7 @@
                   <a:spcPct val="0"/>
                 </a:spcBef>
               </a:pPr>
-              <a:t>11/08/2018</a:t>
+              <a:t>13/08/2018</a:t>
             </a:fld>
             <a:endParaRPr lang="es-ES"/>
           </a:p>
@@ -3990,10 +3990,10 @@
         </p:nvGrpSpPr>
         <p:grpSpPr>
           <a:xfrm>
-            <a:off x="1361465" y="2132856"/>
-            <a:ext cx="448444" cy="3421438"/>
-            <a:chOff x="1361465" y="2276872"/>
-            <a:chExt cx="448444" cy="3421438"/>
+            <a:off x="1354658" y="2132856"/>
+            <a:ext cx="455251" cy="2911401"/>
+            <a:chOff x="1354658" y="2276872"/>
+            <a:chExt cx="455251" cy="2911401"/>
           </a:xfrm>
         </p:grpSpPr>
         <p:pic>
@@ -4072,7 +4072,7 @@
           </p:blipFill>
           <p:spPr bwMode="auto">
             <a:xfrm>
-              <a:off x="1361465" y="3263920"/>
+              <a:off x="1361465" y="3099805"/>
               <a:ext cx="448444" cy="448444"/>
             </a:xfrm>
             <a:prstGeom prst="rect">
@@ -4119,7 +4119,7 @@
           </p:blipFill>
           <p:spPr bwMode="auto">
             <a:xfrm>
-              <a:off x="1361465" y="5249866"/>
+              <a:off x="1354658" y="4739829"/>
               <a:ext cx="448444" cy="448444"/>
             </a:xfrm>
             <a:prstGeom prst="rect">
@@ -4166,7 +4166,7 @@
           </p:blipFill>
           <p:spPr bwMode="auto">
             <a:xfrm>
-              <a:off x="1361465" y="4256893"/>
+              <a:off x="1361465" y="3919817"/>
               <a:ext cx="448444" cy="448444"/>
             </a:xfrm>
             <a:prstGeom prst="rect">
@@ -4200,7 +4200,7 @@
         <p:spPr>
           <a:xfrm>
             <a:off x="1991544" y="2014864"/>
-            <a:ext cx="7200800" cy="3539430"/>
+            <a:ext cx="7200800" cy="3970318"/>
           </a:xfrm>
           <a:prstGeom prst="rect">
             <a:avLst/>
@@ -4214,77 +4214,140 @@
           <a:lstStyle/>
           <a:p>
             <a:r>
-              <a:rPr lang="es-CO" sz="3200" dirty="0">
+              <a:rPr lang="es-CO" sz="2800" dirty="0">
                 <a:latin typeface="Garamond" panose="02020404030301010803" pitchFamily="18" charset="0"/>
               </a:rPr>
               <a:t>¿ Qué es Python? </a:t>
             </a:r>
           </a:p>
           <a:p>
-            <a:endParaRPr lang="es-CO" sz="3200" dirty="0">
+            <a:endParaRPr lang="es-CO" sz="2800" dirty="0">
               <a:latin typeface="Garamond" panose="02020404030301010803" pitchFamily="18" charset="0"/>
             </a:endParaRPr>
           </a:p>
           <a:p>
             <a:r>
-              <a:rPr lang="es-CO" sz="3200" dirty="0">
+              <a:rPr lang="es-CO" sz="2800" dirty="0">
                 <a:latin typeface="Garamond" panose="02020404030301010803" pitchFamily="18" charset="0"/>
               </a:rPr>
               <a:t>¿ Qué es IPython?</a:t>
             </a:r>
           </a:p>
           <a:p>
-            <a:endParaRPr lang="es-CO" sz="3200" dirty="0">
+            <a:endParaRPr lang="es-CO" sz="2800" dirty="0">
               <a:latin typeface="Garamond" panose="02020404030301010803" pitchFamily="18" charset="0"/>
             </a:endParaRPr>
           </a:p>
           <a:p>
             <a:r>
-              <a:rPr lang="es-CO" sz="3200" dirty="0">
+              <a:rPr lang="es-CO" sz="2800" dirty="0">
                 <a:latin typeface="Garamond" panose="02020404030301010803" pitchFamily="18" charset="0"/>
               </a:rPr>
               <a:t>¿ Qué es </a:t>
             </a:r>
             <a:r>
-              <a:rPr lang="es-CO" sz="3200" dirty="0" err="1">
+              <a:rPr lang="es-CO" sz="2800" dirty="0" err="1">
                 <a:latin typeface="Garamond" panose="02020404030301010803" pitchFamily="18" charset="0"/>
               </a:rPr>
               <a:t>Jupyter</a:t>
             </a:r>
             <a:r>
-              <a:rPr lang="es-CO" sz="3200" dirty="0">
+              <a:rPr lang="es-CO" sz="2800" dirty="0">
                 <a:latin typeface="Garamond" panose="02020404030301010803" pitchFamily="18" charset="0"/>
               </a:rPr>
               <a:t> y los </a:t>
             </a:r>
             <a:r>
-              <a:rPr lang="es-CO" sz="3200" i="1" dirty="0">
+              <a:rPr lang="es-CO" sz="2800" i="1" dirty="0">
                 <a:latin typeface="Garamond" panose="02020404030301010803" pitchFamily="18" charset="0"/>
               </a:rPr>
               <a:t>notebooks</a:t>
             </a:r>
             <a:r>
-              <a:rPr lang="es-CO" sz="3200" dirty="0">
+              <a:rPr lang="es-CO" sz="2800" dirty="0">
                 <a:latin typeface="Garamond" panose="02020404030301010803" pitchFamily="18" charset="0"/>
               </a:rPr>
               <a:t>?</a:t>
             </a:r>
           </a:p>
           <a:p>
-            <a:endParaRPr lang="es-CO" sz="3200" dirty="0">
+            <a:endParaRPr lang="es-CO" sz="2800" dirty="0">
               <a:latin typeface="Garamond" panose="02020404030301010803" pitchFamily="18" charset="0"/>
             </a:endParaRPr>
           </a:p>
           <a:p>
             <a:r>
-              <a:rPr lang="es-CO" sz="3200" dirty="0">
+              <a:rPr lang="es-CO" sz="2800" dirty="0" smtClean="0">
                 <a:latin typeface="Garamond" panose="02020404030301010803" pitchFamily="18" charset="0"/>
               </a:rPr>
               <a:t>Anaconda</a:t>
             </a:r>
           </a:p>
-        </p:txBody>
-      </p:sp>
+          <a:p>
+            <a:endParaRPr lang="es-CO" sz="2800" dirty="0">
+              <a:latin typeface="Garamond" panose="02020404030301010803" pitchFamily="18" charset="0"/>
+            </a:endParaRPr>
+          </a:p>
+          <a:p>
+            <a:r>
+              <a:rPr lang="es-CO" sz="2800" dirty="0" smtClean="0">
+                <a:latin typeface="Garamond" panose="02020404030301010803" pitchFamily="18" charset="0"/>
+              </a:rPr>
+              <a:t>Listas y diccionarios</a:t>
+            </a:r>
+            <a:endParaRPr lang="es-CO" sz="2800" dirty="0">
+              <a:latin typeface="Garamond" panose="02020404030301010803" pitchFamily="18" charset="0"/>
+            </a:endParaRPr>
+          </a:p>
+        </p:txBody>
+      </p:sp>
+      <p:pic>
+        <p:nvPicPr>
+          <p:cNvPr id="10" name="Picture 4" descr="Resultado de imagen para python">
+            <a:extLst>
+              <a:ext uri="{FF2B5EF4-FFF2-40B4-BE49-F238E27FC236}">
+                <a16:creationId xmlns:a16="http://schemas.microsoft.com/office/drawing/2014/main" id="{4B0192D2-F075-4F97-8107-DC69E5B63789}"/>
+              </a:ext>
+            </a:extLst>
+          </p:cNvPr>
+          <p:cNvPicPr>
+            <a:picLocks noChangeAspect="1" noChangeArrowheads="1"/>
+          </p:cNvPicPr>
+          <p:nvPr/>
+        </p:nvPicPr>
+        <p:blipFill>
+          <a:blip r:embed="rId2" cstate="print">
+            <a:extLst>
+              <a:ext uri="{28A0092B-C50C-407E-A947-70E740481C1C}">
+                <a14:useLocalDpi xmlns:a14="http://schemas.microsoft.com/office/drawing/2010/main" val="0"/>
+              </a:ext>
+            </a:extLst>
+          </a:blip>
+          <a:srcRect/>
+          <a:stretch>
+            <a:fillRect/>
+          </a:stretch>
+        </p:blipFill>
+        <p:spPr bwMode="auto">
+          <a:xfrm>
+            <a:off x="1388947" y="5415825"/>
+            <a:ext cx="448444" cy="448444"/>
+          </a:xfrm>
+          <a:prstGeom prst="rect">
+            <a:avLst/>
+          </a:prstGeom>
+          <a:noFill/>
+          <a:extLst>
+            <a:ext uri="{909E8E84-426E-40DD-AFC4-6F175D3DCCD1}">
+              <a14:hiddenFill xmlns:a14="http://schemas.microsoft.com/office/drawing/2010/main">
+                <a:solidFill>
+                  <a:srgbClr val="FFFFFF"/>
+                </a:solidFill>
+              </a14:hiddenFill>
+            </a:ext>
+          </a:extLst>
+        </p:spPr>
+      </p:pic>
     </p:spTree>
     <p:extLst>
       <p:ext uri="{BB962C8B-B14F-4D97-AF65-F5344CB8AC3E}">
@@ -5480,13 +5543,13 @@
           <p:nvPr/>
         </p:nvPicPr>
         <p:blipFill>
-          <a:blip r:embed="rId2">
+          <a:blip r:embed="rId2" cstate="print">
             <a:extLst>
               <a:ext uri="{28A0092B-C50C-407E-A947-70E740481C1C}">
                 <a14:useLocalDpi xmlns:a14="http://schemas.microsoft.com/office/drawing/2010/main" val="0"/>
               </a:ext>
               <a:ext uri="{96DAC541-7B7A-43D3-8B79-37D633B846F1}">
-                <asvg:svgBlip xmlns:asvg="http://schemas.microsoft.com/office/drawing/2016/SVG/main" r:embed="rId3"/>
+                <asvg:svgBlip xmlns:asvg="http://schemas.microsoft.com/office/drawing/2016/SVG/main" xmlns="" r:embed="rId3"/>
               </a:ext>
             </a:extLst>
           </a:blip>
@@ -5519,13 +5582,13 @@
           <p:nvPr/>
         </p:nvPicPr>
         <p:blipFill>
-          <a:blip r:embed="rId4">
+          <a:blip r:embed="rId4" cstate="print">
             <a:extLst>
               <a:ext uri="{28A0092B-C50C-407E-A947-70E740481C1C}">
                 <a14:useLocalDpi xmlns:a14="http://schemas.microsoft.com/office/drawing/2010/main" val="0"/>
               </a:ext>
               <a:ext uri="{96DAC541-7B7A-43D3-8B79-37D633B846F1}">
-                <asvg:svgBlip xmlns:asvg="http://schemas.microsoft.com/office/drawing/2016/SVG/main" r:embed="rId5"/>
+                <asvg:svgBlip xmlns:asvg="http://schemas.microsoft.com/office/drawing/2016/SVG/main" xmlns="" r:embed="rId5"/>
               </a:ext>
             </a:extLst>
           </a:blip>
@@ -5558,13 +5621,13 @@
           <p:nvPr/>
         </p:nvPicPr>
         <p:blipFill>
-          <a:blip r:embed="rId2">
+          <a:blip r:embed="rId2" cstate="print">
             <a:extLst>
               <a:ext uri="{28A0092B-C50C-407E-A947-70E740481C1C}">
                 <a14:useLocalDpi xmlns:a14="http://schemas.microsoft.com/office/drawing/2010/main" val="0"/>
               </a:ext>
               <a:ext uri="{96DAC541-7B7A-43D3-8B79-37D633B846F1}">
-                <asvg:svgBlip xmlns:asvg="http://schemas.microsoft.com/office/drawing/2016/SVG/main" r:embed="rId3"/>
+                <asvg:svgBlip xmlns:asvg="http://schemas.microsoft.com/office/drawing/2016/SVG/main" xmlns="" r:embed="rId3"/>
               </a:ext>
             </a:extLst>
           </a:blip>
@@ -5597,13 +5660,13 @@
           <p:nvPr/>
         </p:nvPicPr>
         <p:blipFill>
-          <a:blip r:embed="rId2">
+          <a:blip r:embed="rId2" cstate="print">
             <a:extLst>
               <a:ext uri="{28A0092B-C50C-407E-A947-70E740481C1C}">
                 <a14:useLocalDpi xmlns:a14="http://schemas.microsoft.com/office/drawing/2010/main" val="0"/>
               </a:ext>
               <a:ext uri="{96DAC541-7B7A-43D3-8B79-37D633B846F1}">
-                <asvg:svgBlip xmlns:asvg="http://schemas.microsoft.com/office/drawing/2016/SVG/main" r:embed="rId3"/>
+                <asvg:svgBlip xmlns:asvg="http://schemas.microsoft.com/office/drawing/2016/SVG/main" xmlns="" r:embed="rId3"/>
               </a:ext>
             </a:extLst>
           </a:blip>
@@ -5636,13 +5699,13 @@
           <p:nvPr/>
         </p:nvPicPr>
         <p:blipFill>
-          <a:blip r:embed="rId2">
+          <a:blip r:embed="rId2" cstate="print">
             <a:extLst>
               <a:ext uri="{28A0092B-C50C-407E-A947-70E740481C1C}">
                 <a14:useLocalDpi xmlns:a14="http://schemas.microsoft.com/office/drawing/2010/main" val="0"/>
               </a:ext>
               <a:ext uri="{96DAC541-7B7A-43D3-8B79-37D633B846F1}">
-                <asvg:svgBlip xmlns:asvg="http://schemas.microsoft.com/office/drawing/2016/SVG/main" r:embed="rId3"/>
+                <asvg:svgBlip xmlns:asvg="http://schemas.microsoft.com/office/drawing/2016/SVG/main" xmlns="" r:embed="rId3"/>
               </a:ext>
             </a:extLst>
           </a:blip>
@@ -5675,13 +5738,13 @@
           <p:nvPr/>
         </p:nvPicPr>
         <p:blipFill>
-          <a:blip r:embed="rId2">
+          <a:blip r:embed="rId2" cstate="print">
             <a:extLst>
               <a:ext uri="{28A0092B-C50C-407E-A947-70E740481C1C}">
                 <a14:useLocalDpi xmlns:a14="http://schemas.microsoft.com/office/drawing/2010/main" val="0"/>
               </a:ext>
               <a:ext uri="{96DAC541-7B7A-43D3-8B79-37D633B846F1}">
-                <asvg:svgBlip xmlns:asvg="http://schemas.microsoft.com/office/drawing/2016/SVG/main" r:embed="rId3"/>
+                <asvg:svgBlip xmlns:asvg="http://schemas.microsoft.com/office/drawing/2016/SVG/main" xmlns="" r:embed="rId3"/>
               </a:ext>
             </a:extLst>
           </a:blip>
@@ -5714,13 +5777,13 @@
           <p:nvPr/>
         </p:nvPicPr>
         <p:blipFill>
-          <a:blip r:embed="rId4">
+          <a:blip r:embed="rId4" cstate="print">
             <a:extLst>
               <a:ext uri="{28A0092B-C50C-407E-A947-70E740481C1C}">
                 <a14:useLocalDpi xmlns:a14="http://schemas.microsoft.com/office/drawing/2010/main" val="0"/>
               </a:ext>
               <a:ext uri="{96DAC541-7B7A-43D3-8B79-37D633B846F1}">
-                <asvg:svgBlip xmlns:asvg="http://schemas.microsoft.com/office/drawing/2016/SVG/main" r:embed="rId5"/>
+                <asvg:svgBlip xmlns:asvg="http://schemas.microsoft.com/office/drawing/2016/SVG/main" xmlns="" r:embed="rId5"/>
               </a:ext>
             </a:extLst>
           </a:blip>
@@ -5753,13 +5816,13 @@
           <p:nvPr/>
         </p:nvPicPr>
         <p:blipFill>
-          <a:blip r:embed="rId4">
+          <a:blip r:embed="rId4" cstate="print">
             <a:extLst>
               <a:ext uri="{28A0092B-C50C-407E-A947-70E740481C1C}">
                 <a14:useLocalDpi xmlns:a14="http://schemas.microsoft.com/office/drawing/2010/main" val="0"/>
               </a:ext>
               <a:ext uri="{96DAC541-7B7A-43D3-8B79-37D633B846F1}">
-                <asvg:svgBlip xmlns:asvg="http://schemas.microsoft.com/office/drawing/2016/SVG/main" r:embed="rId5"/>
+                <asvg:svgBlip xmlns:asvg="http://schemas.microsoft.com/office/drawing/2016/SVG/main" xmlns="" r:embed="rId5"/>
               </a:ext>
             </a:extLst>
           </a:blip>
@@ -5792,13 +5855,13 @@
           <p:nvPr/>
         </p:nvPicPr>
         <p:blipFill>
-          <a:blip r:embed="rId4">
+          <a:blip r:embed="rId4" cstate="print">
             <a:extLst>
               <a:ext uri="{28A0092B-C50C-407E-A947-70E740481C1C}">
                 <a14:useLocalDpi xmlns:a14="http://schemas.microsoft.com/office/drawing/2010/main" val="0"/>
               </a:ext>
               <a:ext uri="{96DAC541-7B7A-43D3-8B79-37D633B846F1}">
-                <asvg:svgBlip xmlns:asvg="http://schemas.microsoft.com/office/drawing/2016/SVG/main" r:embed="rId5"/>
+                <asvg:svgBlip xmlns:asvg="http://schemas.microsoft.com/office/drawing/2016/SVG/main" xmlns="" r:embed="rId5"/>
               </a:ext>
             </a:extLst>
           </a:blip>
@@ -5831,13 +5894,13 @@
           <p:nvPr/>
         </p:nvPicPr>
         <p:blipFill>
-          <a:blip r:embed="rId4">
+          <a:blip r:embed="rId4" cstate="print">
             <a:extLst>
               <a:ext uri="{28A0092B-C50C-407E-A947-70E740481C1C}">
                 <a14:useLocalDpi xmlns:a14="http://schemas.microsoft.com/office/drawing/2010/main" val="0"/>
               </a:ext>
               <a:ext uri="{96DAC541-7B7A-43D3-8B79-37D633B846F1}">
-                <asvg:svgBlip xmlns:asvg="http://schemas.microsoft.com/office/drawing/2016/SVG/main" r:embed="rId5"/>
+                <asvg:svgBlip xmlns:asvg="http://schemas.microsoft.com/office/drawing/2016/SVG/main" xmlns="" r:embed="rId5"/>
               </a:ext>
             </a:extLst>
           </a:blip>
